--- a/论文研读/SEALANT.pptx
+++ b/论文研读/SEALANT.pptx
@@ -273,7 +273,7 @@
           <a:p>
             <a:fld id="{AC1073AE-91AA-4D21-BAC5-57FD89C1FA0A}" type="datetimeFigureOut">
               <a:rPr lang="zh-CN" altLang="en-US" smtClean="0"/>
-              <a:t>2017/12/11</a:t>
+              <a:t>2017/12/12</a:t>
             </a:fld>
             <a:endParaRPr lang="zh-CN" altLang="en-US"/>
           </a:p>
@@ -471,7 +471,7 @@
           <a:p>
             <a:fld id="{AC1073AE-91AA-4D21-BAC5-57FD89C1FA0A}" type="datetimeFigureOut">
               <a:rPr lang="zh-CN" altLang="en-US" smtClean="0"/>
-              <a:t>2017/12/11</a:t>
+              <a:t>2017/12/12</a:t>
             </a:fld>
             <a:endParaRPr lang="zh-CN" altLang="en-US"/>
           </a:p>
@@ -679,7 +679,7 @@
           <a:p>
             <a:fld id="{AC1073AE-91AA-4D21-BAC5-57FD89C1FA0A}" type="datetimeFigureOut">
               <a:rPr lang="zh-CN" altLang="en-US" smtClean="0"/>
-              <a:t>2017/12/11</a:t>
+              <a:t>2017/12/12</a:t>
             </a:fld>
             <a:endParaRPr lang="zh-CN" altLang="en-US"/>
           </a:p>
@@ -877,7 +877,7 @@
           <a:p>
             <a:fld id="{AC1073AE-91AA-4D21-BAC5-57FD89C1FA0A}" type="datetimeFigureOut">
               <a:rPr lang="zh-CN" altLang="en-US" smtClean="0"/>
-              <a:t>2017/12/11</a:t>
+              <a:t>2017/12/12</a:t>
             </a:fld>
             <a:endParaRPr lang="zh-CN" altLang="en-US"/>
           </a:p>
@@ -1152,7 +1152,7 @@
           <a:p>
             <a:fld id="{AC1073AE-91AA-4D21-BAC5-57FD89C1FA0A}" type="datetimeFigureOut">
               <a:rPr lang="zh-CN" altLang="en-US" smtClean="0"/>
-              <a:t>2017/12/11</a:t>
+              <a:t>2017/12/12</a:t>
             </a:fld>
             <a:endParaRPr lang="zh-CN" altLang="en-US"/>
           </a:p>
@@ -1417,7 +1417,7 @@
           <a:p>
             <a:fld id="{AC1073AE-91AA-4D21-BAC5-57FD89C1FA0A}" type="datetimeFigureOut">
               <a:rPr lang="zh-CN" altLang="en-US" smtClean="0"/>
-              <a:t>2017/12/11</a:t>
+              <a:t>2017/12/12</a:t>
             </a:fld>
             <a:endParaRPr lang="zh-CN" altLang="en-US"/>
           </a:p>
@@ -1829,7 +1829,7 @@
           <a:p>
             <a:fld id="{AC1073AE-91AA-4D21-BAC5-57FD89C1FA0A}" type="datetimeFigureOut">
               <a:rPr lang="zh-CN" altLang="en-US" smtClean="0"/>
-              <a:t>2017/12/11</a:t>
+              <a:t>2017/12/12</a:t>
             </a:fld>
             <a:endParaRPr lang="zh-CN" altLang="en-US"/>
           </a:p>
@@ -1970,7 +1970,7 @@
           <a:p>
             <a:fld id="{AC1073AE-91AA-4D21-BAC5-57FD89C1FA0A}" type="datetimeFigureOut">
               <a:rPr lang="zh-CN" altLang="en-US" smtClean="0"/>
-              <a:t>2017/12/11</a:t>
+              <a:t>2017/12/12</a:t>
             </a:fld>
             <a:endParaRPr lang="zh-CN" altLang="en-US"/>
           </a:p>
@@ -2083,7 +2083,7 @@
           <a:p>
             <a:fld id="{AC1073AE-91AA-4D21-BAC5-57FD89C1FA0A}" type="datetimeFigureOut">
               <a:rPr lang="zh-CN" altLang="en-US" smtClean="0"/>
-              <a:t>2017/12/11</a:t>
+              <a:t>2017/12/12</a:t>
             </a:fld>
             <a:endParaRPr lang="zh-CN" altLang="en-US"/>
           </a:p>
@@ -2394,7 +2394,7 @@
           <a:p>
             <a:fld id="{AC1073AE-91AA-4D21-BAC5-57FD89C1FA0A}" type="datetimeFigureOut">
               <a:rPr lang="zh-CN" altLang="en-US" smtClean="0"/>
-              <a:t>2017/12/11</a:t>
+              <a:t>2017/12/12</a:t>
             </a:fld>
             <a:endParaRPr lang="zh-CN" altLang="en-US"/>
           </a:p>
@@ -2682,7 +2682,7 @@
           <a:p>
             <a:fld id="{AC1073AE-91AA-4D21-BAC5-57FD89C1FA0A}" type="datetimeFigureOut">
               <a:rPr lang="zh-CN" altLang="en-US" smtClean="0"/>
-              <a:t>2017/12/11</a:t>
+              <a:t>2017/12/12</a:t>
             </a:fld>
             <a:endParaRPr lang="zh-CN" altLang="en-US"/>
           </a:p>
@@ -2923,7 +2923,7 @@
           <a:p>
             <a:fld id="{AC1073AE-91AA-4D21-BAC5-57FD89C1FA0A}" type="datetimeFigureOut">
               <a:rPr lang="zh-CN" altLang="en-US" smtClean="0"/>
-              <a:t>2017/12/11</a:t>
+              <a:t>2017/12/12</a:t>
             </a:fld>
             <a:endParaRPr lang="zh-CN" altLang="en-US"/>
           </a:p>
@@ -3470,6 +3470,41 @@
           </a:p>
         </p:txBody>
       </p:sp>
+      <p:sp>
+        <p:nvSpPr>
+          <p:cNvPr id="4" name="文本框 3">
+            <a:extLst>
+              <a:ext uri="{FF2B5EF4-FFF2-40B4-BE49-F238E27FC236}">
+                <a16:creationId xmlns:a16="http://schemas.microsoft.com/office/drawing/2014/main" id="{127AA633-C190-46AA-B7B7-5167688C3D4A}"/>
+              </a:ext>
+            </a:extLst>
+          </p:cNvPr>
+          <p:cNvSpPr txBox="1"/>
+          <p:nvPr/>
+        </p:nvSpPr>
+        <p:spPr>
+          <a:xfrm>
+            <a:off x="8544560" y="5770880"/>
+            <a:ext cx="3037840" cy="369332"/>
+          </a:xfrm>
+          <a:prstGeom prst="rect">
+            <a:avLst/>
+          </a:prstGeom>
+          <a:noFill/>
+        </p:spPr>
+        <p:txBody>
+          <a:bodyPr wrap="square" rtlCol="0">
+            <a:spAutoFit/>
+          </a:bodyPr>
+          <a:lstStyle/>
+          <a:p>
+            <a:r>
+              <a:rPr lang="zh-CN" altLang="en-US" dirty="0"/>
+              <a:t>燕文豪</a:t>
+            </a:r>
+          </a:p>
+        </p:txBody>
+      </p:sp>
     </p:spTree>
     <p:extLst>
       <p:ext uri="{BB962C8B-B14F-4D97-AF65-F5344CB8AC3E}">
@@ -3857,7 +3892,7 @@
           <a:p>
             <a:r>
               <a:rPr lang="en-US" altLang="zh-CN" sz="2400" b="1" dirty="0"/>
-              <a:t>Ⅳ.</a:t>
+              <a:t>Ⅲ.</a:t>
             </a:r>
             <a:r>
               <a:rPr lang="zh-CN" altLang="en-US" sz="2400" b="1" dirty="0"/>
@@ -3890,42 +3925,41 @@
           <a:lstStyle/>
           <a:p>
             <a:r>
-              <a:rPr lang="zh-CN" altLang="en-US" sz="2000" dirty="0"/>
+              <a:rPr lang="zh-CN" altLang="en-US" sz="2400" dirty="0"/>
               <a:t>作者将</a:t>
             </a:r>
             <a:r>
-              <a:rPr lang="en-US" altLang="zh-CN" sz="2000" dirty="0"/>
+              <a:rPr lang="en-US" altLang="zh-CN" sz="2400" dirty="0"/>
               <a:t>SEALANT</a:t>
             </a:r>
             <a:r>
-              <a:rPr lang="zh-CN" altLang="en-US" sz="2000" dirty="0"/>
+              <a:rPr lang="zh-CN" altLang="en-US" sz="2400" dirty="0"/>
               <a:t>应用于数百个真实的</a:t>
             </a:r>
             <a:r>
-              <a:rPr lang="en-US" altLang="zh-CN" sz="2000" dirty="0"/>
+              <a:rPr lang="en-US" altLang="zh-CN" sz="2400" dirty="0"/>
               <a:t>Android</a:t>
             </a:r>
             <a:r>
-              <a:rPr lang="zh-CN" altLang="en-US" sz="2000" dirty="0"/>
+              <a:rPr lang="zh-CN" altLang="en-US" sz="2400" dirty="0"/>
               <a:t>应用程序，结果表明它能准确的识别易受攻击的</a:t>
             </a:r>
             <a:r>
-              <a:rPr lang="en-US" altLang="zh-CN" sz="2000" dirty="0"/>
+              <a:rPr lang="en-US" altLang="zh-CN" sz="2400" dirty="0"/>
               <a:t>ICC</a:t>
             </a:r>
             <a:r>
-              <a:rPr lang="zh-CN" altLang="en-US" sz="2000" dirty="0"/>
+              <a:rPr lang="zh-CN" altLang="en-US" sz="2400" dirty="0"/>
               <a:t>路径，用户研究也表明，能成功的帮助用户了解识别存在的漏洞，作者计划扩展</a:t>
             </a:r>
             <a:r>
-              <a:rPr lang="en-US" altLang="zh-CN" sz="2000" dirty="0"/>
+              <a:rPr lang="en-US" altLang="zh-CN" sz="2400" dirty="0"/>
               <a:t>SEALANT</a:t>
             </a:r>
             <a:r>
-              <a:rPr lang="zh-CN" altLang="en-US" sz="2000"/>
+              <a:rPr lang="zh-CN" altLang="en-US" sz="2400" dirty="0"/>
               <a:t>能够识别其他类型的漏洞。</a:t>
             </a:r>
-            <a:endParaRPr lang="zh-CN" altLang="en-US" sz="2000" dirty="0"/>
           </a:p>
         </p:txBody>
       </p:sp>
@@ -3997,53 +4031,51 @@
               <a:buNone/>
             </a:pPr>
             <a:r>
-              <a:rPr lang="en-US" altLang="zh-CN" dirty="0"/>
+              <a:rPr lang="en-US" altLang="zh-CN" sz="4000" dirty="0"/>
               <a:t>Ⅰ. </a:t>
             </a:r>
             <a:r>
-              <a:rPr lang="zh-CN" altLang="en-US" dirty="0"/>
+              <a:rPr lang="zh-CN" altLang="en-US" sz="4000" dirty="0"/>
               <a:t>介绍</a:t>
             </a:r>
-            <a:endParaRPr lang="en-US" altLang="zh-CN" dirty="0"/>
+            <a:endParaRPr lang="en-US" altLang="zh-CN" sz="4000" dirty="0"/>
           </a:p>
           <a:p>
             <a:pPr marL="0" indent="0">
               <a:buNone/>
             </a:pPr>
-            <a:r>
-              <a:rPr lang="en-US" altLang="zh-CN" dirty="0"/>
-              <a:t>Ⅱ. </a:t>
-            </a:r>
-            <a:r>
-              <a:rPr lang="zh-CN" altLang="en-US" dirty="0"/>
-              <a:t>举例说明</a:t>
-            </a:r>
-            <a:endParaRPr lang="en-US" altLang="zh-CN" dirty="0"/>
+            <a:endParaRPr lang="en-US" altLang="zh-CN" sz="4000" dirty="0"/>
           </a:p>
           <a:p>
             <a:pPr marL="0" indent="0">
               <a:buNone/>
             </a:pPr>
             <a:r>
-              <a:rPr lang="en-US" altLang="zh-CN" dirty="0"/>
-              <a:t>Ⅲ. SEALANT</a:t>
-            </a:r>
-            <a:r>
-              <a:rPr lang="zh-CN" altLang="en-US" dirty="0"/>
+              <a:rPr lang="en-US" altLang="zh-CN" sz="4000" dirty="0"/>
+              <a:t>Ⅱ. SEALANT</a:t>
+            </a:r>
+            <a:r>
+              <a:rPr lang="zh-CN" altLang="en-US" sz="4000" dirty="0"/>
               <a:t>的设计和实现</a:t>
             </a:r>
-            <a:endParaRPr lang="en-US" altLang="zh-CN" dirty="0"/>
+            <a:endParaRPr lang="en-US" altLang="zh-CN" sz="4000" dirty="0"/>
           </a:p>
           <a:p>
             <a:pPr marL="0" indent="0">
               <a:buNone/>
             </a:pPr>
-            <a:r>
-              <a:rPr lang="en-US" altLang="zh-CN" dirty="0"/>
-              <a:t>Ⅳ. </a:t>
-            </a:r>
-            <a:r>
-              <a:rPr lang="zh-CN" altLang="en-US" dirty="0"/>
+            <a:endParaRPr lang="en-US" altLang="zh-CN" sz="4000" dirty="0"/>
+          </a:p>
+          <a:p>
+            <a:pPr marL="0" indent="0">
+              <a:buNone/>
+            </a:pPr>
+            <a:r>
+              <a:rPr lang="en-US" altLang="zh-CN" sz="4000" dirty="0"/>
+              <a:t>Ⅲ. </a:t>
+            </a:r>
+            <a:r>
+              <a:rPr lang="zh-CN" altLang="en-US" sz="4000" dirty="0"/>
               <a:t>结论</a:t>
             </a:r>
           </a:p>
@@ -4219,32 +4251,28 @@
           <a:p>
             <a:r>
               <a:rPr lang="zh-CN" altLang="en-US" sz="2400" dirty="0"/>
-              <a:t>作者提出了一种用于</a:t>
+              <a:t>作者开发出了一种检测工具，</a:t>
             </a:r>
             <a:r>
               <a:rPr lang="en-US" altLang="zh-CN" sz="2400" dirty="0"/>
-              <a:t>Android</a:t>
+              <a:t>SEALANT</a:t>
             </a:r>
             <a:r>
               <a:rPr lang="zh-CN" altLang="en-US" sz="2400" dirty="0"/>
-              <a:t>系统中</a:t>
+              <a:t>能够自动识别易受攻击的目标程序中的</a:t>
             </a:r>
             <a:r>
               <a:rPr lang="en-US" altLang="zh-CN" sz="2400" dirty="0"/>
-              <a:t>inter-app</a:t>
+              <a:t>ICC</a:t>
             </a:r>
             <a:r>
               <a:rPr lang="zh-CN" altLang="en-US" sz="2400" dirty="0"/>
-              <a:t>漏洞的自动分析和可视化的新工具</a:t>
-            </a:r>
-            <a:r>
-              <a:rPr lang="en-US" altLang="zh-CN" sz="2400" dirty="0"/>
-              <a:t>---SEALATNT</a:t>
-            </a:r>
-            <a:r>
-              <a:rPr lang="zh-CN" altLang="en-US" sz="2400" dirty="0"/>
-              <a:t>。</a:t>
-            </a:r>
+              <a:t>路径，并通过程序的架构信息来可视化所识别的路径。</a:t>
+            </a:r>
+            <a:endParaRPr lang="en-US" altLang="zh-CN" sz="2400" dirty="0"/>
+          </a:p>
+          <a:p>
+            <a:endParaRPr lang="zh-CN" altLang="en-US" sz="2400" dirty="0"/>
           </a:p>
         </p:txBody>
       </p:sp>
@@ -4302,12 +4330,12 @@
           <a:lstStyle/>
           <a:p>
             <a:r>
-              <a:rPr lang="en-US" altLang="zh-CN" sz="4000" dirty="0"/>
-              <a:t>Ⅱ. </a:t>
-            </a:r>
-            <a:r>
-              <a:rPr lang="zh-CN" altLang="en-US" sz="4000" dirty="0"/>
-              <a:t>攻击案例</a:t>
+              <a:rPr lang="en-US" altLang="zh-CN" sz="2400" b="1" dirty="0"/>
+              <a:t>Inter-app</a:t>
+            </a:r>
+            <a:r>
+              <a:rPr lang="zh-CN" altLang="en-US" sz="2400" b="1" dirty="0"/>
+              <a:t>攻击例子</a:t>
             </a:r>
           </a:p>
         </p:txBody>
@@ -4402,7 +4430,7 @@
           <a:p>
             <a:r>
               <a:rPr lang="en-US" altLang="zh-CN" sz="4000" dirty="0"/>
-              <a:t>Ⅲ. SEALANT</a:t>
+              <a:t>Ⅱ. SEALANT</a:t>
             </a:r>
             <a:r>
               <a:rPr lang="zh-CN" altLang="en-US" sz="4000" dirty="0"/>
@@ -4433,25 +4461,6 @@
             <a:normAutofit/>
           </a:bodyPr>
           <a:lstStyle/>
-          <a:p>
-            <a:r>
-              <a:rPr lang="en-US" altLang="zh-CN" sz="2400" dirty="0"/>
-              <a:t>SEALANT</a:t>
-            </a:r>
-            <a:r>
-              <a:rPr lang="zh-CN" altLang="en-US" sz="2400" dirty="0"/>
-              <a:t>能够自动识别易受攻击的目标程序中的</a:t>
-            </a:r>
-            <a:r>
-              <a:rPr lang="en-US" altLang="zh-CN" sz="2400" dirty="0"/>
-              <a:t>ICC</a:t>
-            </a:r>
-            <a:r>
-              <a:rPr lang="zh-CN" altLang="en-US" sz="2400" dirty="0"/>
-              <a:t>路径，并通过程序的架构信息来可视化所识别的路径。</a:t>
-            </a:r>
-            <a:endParaRPr lang="en-US" altLang="zh-CN" sz="2400" dirty="0"/>
-          </a:p>
           <a:p>
             <a:pPr marL="0" indent="0">
               <a:buNone/>
@@ -4870,64 +4879,24 @@
       </p:grpSpPr>
       <p:sp>
         <p:nvSpPr>
-          <p:cNvPr id="2" name="标题 1">
-            <a:extLst>
-              <a:ext uri="{FF2B5EF4-FFF2-40B4-BE49-F238E27FC236}">
-                <a16:creationId xmlns:a16="http://schemas.microsoft.com/office/drawing/2014/main" id="{102E9232-CB69-41EA-B871-E498E526A085}"/>
-              </a:ext>
-            </a:extLst>
-          </p:cNvPr>
-          <p:cNvSpPr>
-            <a:spLocks noGrp="1"/>
-          </p:cNvSpPr>
-          <p:nvPr>
-            <p:ph type="title"/>
+          <p:cNvPr id="3" name="内容占位符 2">
+            <a:extLst>
+              <a:ext uri="{FF2B5EF4-FFF2-40B4-BE49-F238E27FC236}">
+                <a16:creationId xmlns:a16="http://schemas.microsoft.com/office/drawing/2014/main" id="{A48BA2B0-42C6-4F27-A8FA-7A71F7F6BE30}"/>
+              </a:ext>
+            </a:extLst>
+          </p:cNvPr>
+          <p:cNvSpPr>
+            <a:spLocks noGrp="1"/>
+          </p:cNvSpPr>
+          <p:nvPr>
+            <p:ph idx="1"/>
           </p:nvPr>
         </p:nvSpPr>
         <p:spPr>
           <a:xfrm>
-            <a:off x="635000" y="482599"/>
-            <a:ext cx="10515600" cy="396875"/>
-          </a:xfrm>
-        </p:spPr>
-        <p:txBody>
-          <a:bodyPr>
-            <a:noAutofit/>
-          </a:bodyPr>
-          <a:lstStyle/>
-          <a:p>
-            <a:r>
-              <a:rPr lang="zh-CN" altLang="en-US" sz="2400" b="1" dirty="0"/>
-              <a:t>③ </a:t>
-            </a:r>
-            <a:r>
-              <a:rPr lang="en-US" altLang="zh-CN" sz="2400" b="1" dirty="0"/>
-              <a:t>SEALANT Analyzer</a:t>
-            </a:r>
-            <a:endParaRPr lang="zh-CN" altLang="en-US" sz="2400" b="1" dirty="0"/>
-          </a:p>
-        </p:txBody>
-      </p:sp>
-      <p:sp>
-        <p:nvSpPr>
-          <p:cNvPr id="3" name="内容占位符 2">
-            <a:extLst>
-              <a:ext uri="{FF2B5EF4-FFF2-40B4-BE49-F238E27FC236}">
-                <a16:creationId xmlns:a16="http://schemas.microsoft.com/office/drawing/2014/main" id="{A48BA2B0-42C6-4F27-A8FA-7A71F7F6BE30}"/>
-              </a:ext>
-            </a:extLst>
-          </p:cNvPr>
-          <p:cNvSpPr>
-            <a:spLocks noGrp="1"/>
-          </p:cNvSpPr>
-          <p:nvPr>
-            <p:ph idx="1"/>
-          </p:nvPr>
-        </p:nvSpPr>
-        <p:spPr>
-          <a:xfrm>
-            <a:off x="762000" y="1229360"/>
-            <a:ext cx="10591800" cy="4947603"/>
+            <a:off x="762000" y="101600"/>
+            <a:ext cx="10591800" cy="6075363"/>
           </a:xfrm>
         </p:spPr>
         <p:txBody>
@@ -4935,6 +4904,19 @@
             <a:normAutofit/>
           </a:bodyPr>
           <a:lstStyle/>
+          <a:p>
+            <a:pPr marL="0" indent="0">
+              <a:buNone/>
+            </a:pPr>
+            <a:r>
+              <a:rPr lang="zh-CN" altLang="en-US" sz="2400" b="1" dirty="0"/>
+              <a:t>③ </a:t>
+            </a:r>
+            <a:r>
+              <a:rPr lang="en-US" altLang="zh-CN" sz="2400" b="1" dirty="0"/>
+              <a:t>SEALANT Analyzer</a:t>
+            </a:r>
+          </a:p>
           <a:p>
             <a:pPr marL="0" indent="0">
               <a:buNone/>
@@ -5061,12 +5043,24 @@
               <a:rPr lang="zh-CN" altLang="en-US" sz="2000" dirty="0">
                 <a:cs typeface="Times New Roman" panose="02020603050405020304" pitchFamily="18" charset="0"/>
               </a:rPr>
-              <a:t>组件在敏感的</a:t>
+              <a:t>组件在</a:t>
             </a:r>
             <a:r>
               <a:rPr lang="en-US" altLang="zh-CN" sz="2000" dirty="0">
                 <a:cs typeface="Times New Roman" panose="02020603050405020304" pitchFamily="18" charset="0"/>
               </a:rPr>
+              <a:t>Android</a:t>
+            </a:r>
+            <a:r>
+              <a:rPr lang="zh-CN" altLang="en-US" sz="2000" dirty="0">
+                <a:cs typeface="Times New Roman" panose="02020603050405020304" pitchFamily="18" charset="0"/>
+              </a:rPr>
+              <a:t>敏感的</a:t>
+            </a:r>
+            <a:r>
+              <a:rPr lang="en-US" altLang="zh-CN" sz="2000" dirty="0">
+                <a:cs typeface="Times New Roman" panose="02020603050405020304" pitchFamily="18" charset="0"/>
+              </a:rPr>
               <a:t>API</a:t>
             </a:r>
             <a:r>
@@ -5085,7 +5079,7 @@
               <a:rPr lang="zh-CN" altLang="en-US" sz="2000" dirty="0">
                 <a:cs typeface="Times New Roman" panose="02020603050405020304" pitchFamily="18" charset="0"/>
               </a:rPr>
-              <a:t>之间执行数据流分析，把包含这种数据流 </a:t>
+              <a:t>之间执行数据流分析，把包含这种 </a:t>
             </a:r>
             <a:endParaRPr lang="en-US" altLang="zh-CN" sz="2000" dirty="0">
               <a:cs typeface="Times New Roman" panose="02020603050405020304" pitchFamily="18" charset="0"/>
@@ -5105,7 +5099,7 @@
               <a:rPr lang="zh-CN" altLang="en-US" sz="2000" dirty="0">
                 <a:cs typeface="Times New Roman" panose="02020603050405020304" pitchFamily="18" charset="0"/>
               </a:rPr>
-              <a:t>的组件标记为易受攻击的组件。</a:t>
+              <a:t>数据流的组件标记为易受攻击的组件。</a:t>
             </a:r>
             <a:endParaRPr lang="en-US" altLang="zh-CN" sz="2000" dirty="0">
               <a:cs typeface="Times New Roman" panose="02020603050405020304" pitchFamily="18" charset="0"/>
@@ -5221,7 +5215,7 @@
         </p:nvSpPr>
         <p:spPr>
           <a:xfrm>
-            <a:off x="645160" y="259397"/>
+            <a:off x="543560" y="69533"/>
             <a:ext cx="10515600" cy="843280"/>
           </a:xfrm>
         </p:spPr>
@@ -5261,13 +5255,13 @@
         </p:nvSpPr>
         <p:spPr>
           <a:xfrm>
-            <a:off x="767080" y="1062037"/>
+            <a:off x="939800" y="892295"/>
             <a:ext cx="10515600" cy="5726429"/>
           </a:xfrm>
         </p:spPr>
         <p:txBody>
           <a:bodyPr>
-            <a:normAutofit/>
+            <a:normAutofit lnSpcReduction="10000"/>
           </a:bodyPr>
           <a:lstStyle/>
           <a:p>
@@ -5280,7 +5274,7 @@
             </a:r>
             <a:r>
               <a:rPr lang="zh-CN" altLang="en-US" sz="2000" dirty="0"/>
-              <a:t>、漏洞标识模块：</a:t>
+              <a:t>、漏洞标记模块：</a:t>
             </a:r>
             <a:endParaRPr lang="en-US" altLang="zh-CN" sz="2000" dirty="0"/>
           </a:p>
@@ -5300,7 +5294,7 @@
             </a:r>
             <a:r>
               <a:rPr lang="zh-CN" altLang="en-US" sz="2000" dirty="0"/>
-              <a:t>、</a:t>
+              <a:t>、分析之前建立的模型，</a:t>
             </a:r>
             <a:r>
               <a:rPr lang="zh-CN" altLang="zh-CN" sz="2000" dirty="0">
@@ -5318,54 +5312,51 @@
               <a:rPr lang="zh-CN" altLang="zh-CN" sz="2000" dirty="0">
                 <a:cs typeface="Times New Roman" panose="02020603050405020304" pitchFamily="18" charset="0"/>
               </a:rPr>
-              <a:t>参考文档中的规则，通过匹配每个组件的</a:t>
-            </a:r>
-            <a:r>
-              <a:rPr lang="en-US" altLang="zh-CN" sz="2000" dirty="0">
-                <a:cs typeface="Times New Roman" panose="02020603050405020304" pitchFamily="18" charset="0"/>
-              </a:rPr>
-              <a:t>intent</a:t>
-            </a:r>
-            <a:r>
-              <a:rPr lang="zh-CN" altLang="zh-CN" sz="2000" dirty="0">
-                <a:cs typeface="Times New Roman" panose="02020603050405020304" pitchFamily="18" charset="0"/>
-              </a:rPr>
-              <a:t>和</a:t>
-            </a:r>
-            <a:r>
-              <a:rPr lang="en-US" altLang="zh-CN" sz="2000" dirty="0">
-                <a:cs typeface="Times New Roman" panose="02020603050405020304" pitchFamily="18" charset="0"/>
-              </a:rPr>
-              <a:t>intent filter</a:t>
-            </a:r>
-            <a:r>
-              <a:rPr lang="zh-CN" altLang="zh-CN" sz="2000" dirty="0">
-                <a:cs typeface="Times New Roman" panose="02020603050405020304" pitchFamily="18" charset="0"/>
-              </a:rPr>
-              <a:t>来构建</a:t>
+              <a:t>参考文档中的规则，通过匹配每个组件</a:t>
             </a:r>
             <a:endParaRPr lang="en-US" altLang="zh-CN" sz="2000" dirty="0">
               <a:cs typeface="Times New Roman" panose="02020603050405020304" pitchFamily="18" charset="0"/>
             </a:endParaRPr>
           </a:p>
           <a:p>
-            <a:pPr marL="0" indent="0" algn="just">
-              <a:spcAft>
-                <a:spcPts val="0"/>
-              </a:spcAft>
+            <a:pPr marL="0" indent="0">
               <a:buNone/>
             </a:pPr>
             <a:r>
               <a:rPr lang="en-US" altLang="zh-CN" sz="2000" dirty="0">
                 <a:cs typeface="Times New Roman" panose="02020603050405020304" pitchFamily="18" charset="0"/>
               </a:rPr>
-              <a:t>             </a:t>
+              <a:t>            </a:t>
             </a:r>
             <a:r>
               <a:rPr lang="zh-CN" altLang="zh-CN" sz="2000" dirty="0">
                 <a:cs typeface="Times New Roman" panose="02020603050405020304" pitchFamily="18" charset="0"/>
               </a:rPr>
-              <a:t>一个</a:t>
+              <a:t>的</a:t>
+            </a:r>
+            <a:r>
+              <a:rPr lang="en-US" altLang="zh-CN" sz="2000" dirty="0">
+                <a:cs typeface="Times New Roman" panose="02020603050405020304" pitchFamily="18" charset="0"/>
+              </a:rPr>
+              <a:t>intent</a:t>
+            </a:r>
+            <a:r>
+              <a:rPr lang="zh-CN" altLang="zh-CN" sz="2000" dirty="0">
+                <a:cs typeface="Times New Roman" panose="02020603050405020304" pitchFamily="18" charset="0"/>
+              </a:rPr>
+              <a:t>和</a:t>
+            </a:r>
+            <a:r>
+              <a:rPr lang="en-US" altLang="zh-CN" sz="2000" dirty="0">
+                <a:cs typeface="Times New Roman" panose="02020603050405020304" pitchFamily="18" charset="0"/>
+              </a:rPr>
+              <a:t>intent filter</a:t>
+            </a:r>
+            <a:r>
+              <a:rPr lang="zh-CN" altLang="zh-CN" sz="2000" dirty="0">
+                <a:cs typeface="Times New Roman" panose="02020603050405020304" pitchFamily="18" charset="0"/>
+              </a:rPr>
+              <a:t>来构建一个</a:t>
             </a:r>
             <a:r>
               <a:rPr lang="en-US" altLang="zh-CN" sz="2000" dirty="0">
@@ -5391,120 +5382,7 @@
                 <a:latin typeface="等线" panose="02010600030101010101" pitchFamily="2" charset="-122"/>
                 <a:cs typeface="Times New Roman" panose="02020603050405020304" pitchFamily="18" charset="0"/>
               </a:rPr>
-              <a:t>图中，一个节点表示一个组件，一个边表示为元组</a:t>
-            </a:r>
-            <a:r>
-              <a:rPr lang="en-US" altLang="zh-CN" sz="2000" kern="100" dirty="0">
-                <a:latin typeface="等线" panose="02010600030101010101" pitchFamily="2" charset="-122"/>
-                <a:cs typeface="Times New Roman" panose="02020603050405020304" pitchFamily="18" charset="0"/>
-              </a:rPr>
-              <a:t>&lt;s, r, </a:t>
-            </a:r>
-            <a:r>
-              <a:rPr lang="en-US" altLang="zh-CN" sz="2000" kern="100" dirty="0" err="1">
-                <a:latin typeface="等线" panose="02010600030101010101" pitchFamily="2" charset="-122"/>
-                <a:cs typeface="Times New Roman" panose="02020603050405020304" pitchFamily="18" charset="0"/>
-              </a:rPr>
-              <a:t>i</a:t>
-            </a:r>
-            <a:r>
-              <a:rPr lang="en-US" altLang="zh-CN" sz="2000" kern="100" dirty="0">
-                <a:latin typeface="等线" panose="02010600030101010101" pitchFamily="2" charset="-122"/>
-                <a:cs typeface="Times New Roman" panose="02020603050405020304" pitchFamily="18" charset="0"/>
-              </a:rPr>
-              <a:t>&gt;, s</a:t>
-            </a:r>
-            <a:r>
-              <a:rPr lang="zh-CN" altLang="zh-CN" sz="2000" kern="100" dirty="0">
-                <a:latin typeface="等线" panose="02010600030101010101" pitchFamily="2" charset="-122"/>
-                <a:cs typeface="Times New Roman" panose="02020603050405020304" pitchFamily="18" charset="0"/>
-              </a:rPr>
-              <a:t>是</a:t>
-            </a:r>
-            <a:r>
-              <a:rPr lang="en-US" altLang="zh-CN" sz="2000" kern="100" dirty="0">
-                <a:latin typeface="等线" panose="02010600030101010101" pitchFamily="2" charset="-122"/>
-                <a:cs typeface="Times New Roman" panose="02020603050405020304" pitchFamily="18" charset="0"/>
-              </a:rPr>
-              <a:t>intent </a:t>
-            </a:r>
-          </a:p>
-          <a:p>
-            <a:pPr marL="0" indent="0" algn="just">
-              <a:spcAft>
-                <a:spcPts val="0"/>
-              </a:spcAft>
-              <a:buNone/>
-            </a:pPr>
-            <a:r>
-              <a:rPr lang="en-US" altLang="zh-CN" sz="2000" kern="100" dirty="0">
-                <a:latin typeface="等线" panose="02010600030101010101" pitchFamily="2" charset="-122"/>
-                <a:cs typeface="Times New Roman" panose="02020603050405020304" pitchFamily="18" charset="0"/>
-              </a:rPr>
-              <a:t>             </a:t>
-            </a:r>
-            <a:r>
-              <a:rPr lang="zh-CN" altLang="zh-CN" sz="2000" kern="100" dirty="0">
-                <a:latin typeface="等线" panose="02010600030101010101" pitchFamily="2" charset="-122"/>
-                <a:cs typeface="Times New Roman" panose="02020603050405020304" pitchFamily="18" charset="0"/>
-              </a:rPr>
-              <a:t>的发送组件，</a:t>
-            </a:r>
-            <a:r>
-              <a:rPr lang="en-US" altLang="zh-CN" sz="2000" kern="100" dirty="0">
-                <a:latin typeface="等线" panose="02010600030101010101" pitchFamily="2" charset="-122"/>
-                <a:cs typeface="Times New Roman" panose="02020603050405020304" pitchFamily="18" charset="0"/>
-              </a:rPr>
-              <a:t>r</a:t>
-            </a:r>
-            <a:r>
-              <a:rPr lang="zh-CN" altLang="zh-CN" sz="2000" kern="100" dirty="0">
-                <a:latin typeface="等线" panose="02010600030101010101" pitchFamily="2" charset="-122"/>
-                <a:cs typeface="Times New Roman" panose="02020603050405020304" pitchFamily="18" charset="0"/>
-              </a:rPr>
-              <a:t>是</a:t>
-            </a:r>
-            <a:r>
-              <a:rPr lang="en-US" altLang="zh-CN" sz="2000" kern="100" dirty="0">
-                <a:latin typeface="等线" panose="02010600030101010101" pitchFamily="2" charset="-122"/>
-                <a:cs typeface="Times New Roman" panose="02020603050405020304" pitchFamily="18" charset="0"/>
-              </a:rPr>
-              <a:t>intent</a:t>
-            </a:r>
-            <a:r>
-              <a:rPr lang="zh-CN" altLang="zh-CN" sz="2000" kern="100" dirty="0">
-                <a:latin typeface="等线" panose="02010600030101010101" pitchFamily="2" charset="-122"/>
-                <a:cs typeface="Times New Roman" panose="02020603050405020304" pitchFamily="18" charset="0"/>
-              </a:rPr>
-              <a:t>的接受组件，</a:t>
-            </a:r>
-            <a:r>
-              <a:rPr lang="en-US" altLang="zh-CN" sz="2000" kern="100" dirty="0">
-                <a:latin typeface="等线" panose="02010600030101010101" pitchFamily="2" charset="-122"/>
-                <a:cs typeface="Times New Roman" panose="02020603050405020304" pitchFamily="18" charset="0"/>
-              </a:rPr>
-              <a:t>I </a:t>
-            </a:r>
-            <a:r>
-              <a:rPr lang="zh-CN" altLang="zh-CN" sz="2000" kern="100" dirty="0">
-                <a:latin typeface="等线" panose="02010600030101010101" pitchFamily="2" charset="-122"/>
-                <a:cs typeface="Times New Roman" panose="02020603050405020304" pitchFamily="18" charset="0"/>
-              </a:rPr>
-              <a:t>是他们之间的</a:t>
-            </a:r>
-            <a:r>
-              <a:rPr lang="en-US" altLang="zh-CN" sz="2000" kern="100" dirty="0">
-                <a:latin typeface="等线" panose="02010600030101010101" pitchFamily="2" charset="-122"/>
-                <a:cs typeface="Times New Roman" panose="02020603050405020304" pitchFamily="18" charset="0"/>
-              </a:rPr>
-              <a:t>intent</a:t>
-            </a:r>
-            <a:r>
-              <a:rPr lang="zh-CN" altLang="zh-CN" sz="2000" kern="100" dirty="0">
-                <a:latin typeface="等线" panose="02010600030101010101" pitchFamily="2" charset="-122"/>
-                <a:cs typeface="Times New Roman" panose="02020603050405020304" pitchFamily="18" charset="0"/>
-              </a:rPr>
-              <a:t>。</a:t>
+              <a:t>图中，一个节点表示一个组件，一个边表</a:t>
             </a:r>
             <a:endParaRPr lang="en-US" altLang="zh-CN" sz="2000" kern="100" dirty="0">
               <a:latin typeface="等线" panose="02010600030101010101" pitchFamily="2" charset="-122"/>
@@ -5512,10 +5390,7 @@
             </a:endParaRPr>
           </a:p>
           <a:p>
-            <a:pPr marL="0" indent="0" algn="just">
-              <a:spcAft>
-                <a:spcPts val="0"/>
-              </a:spcAft>
+            <a:pPr marL="0" indent="0">
               <a:buNone/>
             </a:pPr>
             <a:r>
@@ -5523,28 +5398,112 @@
                 <a:latin typeface="等线" panose="02010600030101010101" pitchFamily="2" charset="-122"/>
                 <a:cs typeface="Times New Roman" panose="02020603050405020304" pitchFamily="18" charset="0"/>
               </a:rPr>
-              <a:t>       2</a:t>
-            </a:r>
-            <a:r>
-              <a:rPr lang="zh-CN" altLang="en-US" sz="2000" kern="100" dirty="0">
+              <a:t>            </a:t>
+            </a:r>
+            <a:r>
+              <a:rPr lang="zh-CN" altLang="zh-CN" sz="2000" kern="100" dirty="0">
                 <a:latin typeface="等线" panose="02010600030101010101" pitchFamily="2" charset="-122"/>
                 <a:cs typeface="Times New Roman" panose="02020603050405020304" pitchFamily="18" charset="0"/>
               </a:rPr>
-              <a:t>、遍历这个</a:t>
+              <a:t>示为元组</a:t>
             </a:r>
             <a:r>
               <a:rPr lang="en-US" altLang="zh-CN" sz="2000" kern="100" dirty="0">
                 <a:latin typeface="等线" panose="02010600030101010101" pitchFamily="2" charset="-122"/>
                 <a:cs typeface="Times New Roman" panose="02020603050405020304" pitchFamily="18" charset="0"/>
               </a:rPr>
-              <a:t>ICC</a:t>
-            </a:r>
-            <a:r>
-              <a:rPr lang="zh-CN" altLang="en-US" sz="2000" kern="100" dirty="0">
+              <a:t>&lt;s, r, </a:t>
+            </a:r>
+            <a:r>
+              <a:rPr lang="en-US" altLang="zh-CN" sz="2000" kern="100" dirty="0" err="1">
                 <a:latin typeface="等线" panose="02010600030101010101" pitchFamily="2" charset="-122"/>
                 <a:cs typeface="Times New Roman" panose="02020603050405020304" pitchFamily="18" charset="0"/>
               </a:rPr>
-              <a:t>图，根据两点来标记这个边是否为易受攻击路径：</a:t>
+              <a:t>i</a:t>
+            </a:r>
+            <a:r>
+              <a:rPr lang="en-US" altLang="zh-CN" sz="2000" kern="100" dirty="0">
+                <a:latin typeface="等线" panose="02010600030101010101" pitchFamily="2" charset="-122"/>
+                <a:cs typeface="Times New Roman" panose="02020603050405020304" pitchFamily="18" charset="0"/>
+              </a:rPr>
+              <a:t>&gt;, s</a:t>
+            </a:r>
+            <a:r>
+              <a:rPr lang="zh-CN" altLang="zh-CN" sz="2000" kern="100" dirty="0">
+                <a:latin typeface="等线" panose="02010600030101010101" pitchFamily="2" charset="-122"/>
+                <a:cs typeface="Times New Roman" panose="02020603050405020304" pitchFamily="18" charset="0"/>
+              </a:rPr>
+              <a:t>是</a:t>
+            </a:r>
+            <a:r>
+              <a:rPr lang="en-US" altLang="zh-CN" sz="2000" kern="100" dirty="0">
+                <a:latin typeface="等线" panose="02010600030101010101" pitchFamily="2" charset="-122"/>
+                <a:cs typeface="Times New Roman" panose="02020603050405020304" pitchFamily="18" charset="0"/>
+              </a:rPr>
+              <a:t>intent </a:t>
+            </a:r>
+            <a:r>
+              <a:rPr lang="zh-CN" altLang="zh-CN" sz="2000" kern="100" dirty="0">
+                <a:latin typeface="等线" panose="02010600030101010101" pitchFamily="2" charset="-122"/>
+                <a:cs typeface="Times New Roman" panose="02020603050405020304" pitchFamily="18" charset="0"/>
+              </a:rPr>
+              <a:t>的发送组件，</a:t>
+            </a:r>
+            <a:r>
+              <a:rPr lang="en-US" altLang="zh-CN" sz="2000" kern="100" dirty="0">
+                <a:latin typeface="等线" panose="02010600030101010101" pitchFamily="2" charset="-122"/>
+                <a:cs typeface="Times New Roman" panose="02020603050405020304" pitchFamily="18" charset="0"/>
+              </a:rPr>
+              <a:t>r</a:t>
+            </a:r>
+            <a:r>
+              <a:rPr lang="zh-CN" altLang="zh-CN" sz="2000" kern="100" dirty="0">
+                <a:latin typeface="等线" panose="02010600030101010101" pitchFamily="2" charset="-122"/>
+                <a:cs typeface="Times New Roman" panose="02020603050405020304" pitchFamily="18" charset="0"/>
+              </a:rPr>
+              <a:t>是</a:t>
+            </a:r>
+            <a:r>
+              <a:rPr lang="en-US" altLang="zh-CN" sz="2000" kern="100" dirty="0">
+                <a:latin typeface="等线" panose="02010600030101010101" pitchFamily="2" charset="-122"/>
+                <a:cs typeface="Times New Roman" panose="02020603050405020304" pitchFamily="18" charset="0"/>
+              </a:rPr>
+              <a:t>intent</a:t>
+            </a:r>
+            <a:r>
+              <a:rPr lang="zh-CN" altLang="zh-CN" sz="2000" kern="100" dirty="0">
+                <a:latin typeface="等线" panose="02010600030101010101" pitchFamily="2" charset="-122"/>
+                <a:cs typeface="Times New Roman" panose="02020603050405020304" pitchFamily="18" charset="0"/>
+              </a:rPr>
+              <a:t>的接受组件，</a:t>
+            </a:r>
+            <a:r>
+              <a:rPr lang="en-US" altLang="zh-CN" sz="2000" kern="100" dirty="0">
+                <a:latin typeface="等线" panose="02010600030101010101" pitchFamily="2" charset="-122"/>
+                <a:cs typeface="Times New Roman" panose="02020603050405020304" pitchFamily="18" charset="0"/>
+              </a:rPr>
+              <a:t>i </a:t>
+            </a:r>
+            <a:r>
+              <a:rPr lang="zh-CN" altLang="zh-CN" sz="2000" kern="100" dirty="0">
+                <a:latin typeface="等线" panose="02010600030101010101" pitchFamily="2" charset="-122"/>
+                <a:cs typeface="Times New Roman" panose="02020603050405020304" pitchFamily="18" charset="0"/>
+              </a:rPr>
+              <a:t>是他们之间的</a:t>
+            </a:r>
+            <a:r>
+              <a:rPr lang="en-US" altLang="zh-CN" sz="2000" kern="100" dirty="0">
+                <a:latin typeface="等线" panose="02010600030101010101" pitchFamily="2" charset="-122"/>
+                <a:cs typeface="Times New Roman" panose="02020603050405020304" pitchFamily="18" charset="0"/>
+              </a:rPr>
+              <a:t>intent</a:t>
+            </a:r>
+            <a:r>
+              <a:rPr lang="zh-CN" altLang="zh-CN" sz="2000" kern="100" dirty="0">
+                <a:latin typeface="等线" panose="02010600030101010101" pitchFamily="2" charset="-122"/>
+                <a:cs typeface="Times New Roman" panose="02020603050405020304" pitchFamily="18" charset="0"/>
+              </a:rPr>
+              <a:t>。</a:t>
             </a:r>
             <a:endParaRPr lang="en-US" altLang="zh-CN" sz="2000" kern="100" dirty="0">
               <a:latin typeface="等线" panose="02010600030101010101" pitchFamily="2" charset="-122"/>
@@ -5552,90 +5511,7 @@
             </a:endParaRPr>
           </a:p>
           <a:p>
-            <a:pPr marL="0" indent="0" algn="just">
-              <a:spcAft>
-                <a:spcPts val="0"/>
-              </a:spcAft>
-              <a:buNone/>
-            </a:pPr>
-            <a:r>
-              <a:rPr lang="en-US" altLang="zh-CN" sz="2000" kern="100" dirty="0">
-                <a:latin typeface="等线" panose="02010600030101010101" pitchFamily="2" charset="-122"/>
-                <a:cs typeface="Times New Roman" panose="02020603050405020304" pitchFamily="18" charset="0"/>
-              </a:rPr>
-              <a:t>             </a:t>
-            </a:r>
-            <a:r>
-              <a:rPr lang="en-US" altLang="zh-CN" kern="100" dirty="0">
-                <a:latin typeface="等线" panose="02010600030101010101" pitchFamily="2" charset="-122"/>
-                <a:cs typeface="Times New Roman" panose="02020603050405020304" pitchFamily="18" charset="0"/>
-              </a:rPr>
-              <a:t>·</a:t>
-            </a:r>
-            <a:r>
-              <a:rPr lang="zh-CN" altLang="en-US" sz="2000" kern="100" dirty="0">
-                <a:latin typeface="等线" panose="02010600030101010101" pitchFamily="2" charset="-122"/>
-                <a:cs typeface="Times New Roman" panose="02020603050405020304" pitchFamily="18" charset="0"/>
-              </a:rPr>
-              <a:t>如果一端或两端有易受攻击组件</a:t>
-            </a:r>
-            <a:endParaRPr lang="en-US" altLang="zh-CN" sz="2000" kern="100" dirty="0">
-              <a:latin typeface="等线" panose="02010600030101010101" pitchFamily="2" charset="-122"/>
-              <a:cs typeface="Times New Roman" panose="02020603050405020304" pitchFamily="18" charset="0"/>
-            </a:endParaRPr>
-          </a:p>
-          <a:p>
-            <a:pPr marL="0" indent="0" algn="just">
-              <a:spcAft>
-                <a:spcPts val="0"/>
-              </a:spcAft>
-              <a:buNone/>
-            </a:pPr>
-            <a:r>
-              <a:rPr lang="en-US" altLang="zh-CN" sz="2000" kern="100" dirty="0">
-                <a:latin typeface="等线" panose="02010600030101010101" pitchFamily="2" charset="-122"/>
-                <a:cs typeface="Times New Roman" panose="02020603050405020304" pitchFamily="18" charset="0"/>
-              </a:rPr>
-              <a:t>             </a:t>
-            </a:r>
-            <a:r>
-              <a:rPr lang="en-US" altLang="zh-CN" kern="100" dirty="0">
-                <a:latin typeface="等线" panose="02010600030101010101" pitchFamily="2" charset="-122"/>
-                <a:cs typeface="Times New Roman" panose="02020603050405020304" pitchFamily="18" charset="0"/>
-              </a:rPr>
-              <a:t>·</a:t>
-            </a:r>
-            <a:r>
-              <a:rPr lang="zh-CN" altLang="en-US" sz="2000" kern="100" dirty="0">
-                <a:latin typeface="等线" panose="02010600030101010101" pitchFamily="2" charset="-122"/>
-                <a:cs typeface="Times New Roman" panose="02020603050405020304" pitchFamily="18" charset="0"/>
-              </a:rPr>
-              <a:t>如果它是易受攻击的</a:t>
-            </a:r>
-            <a:r>
-              <a:rPr lang="en-US" altLang="zh-CN" sz="2000" kern="100" dirty="0">
-                <a:latin typeface="等线" panose="02010600030101010101" pitchFamily="2" charset="-122"/>
-                <a:cs typeface="Times New Roman" panose="02020603050405020304" pitchFamily="18" charset="0"/>
-              </a:rPr>
-              <a:t>ICC</a:t>
-            </a:r>
-            <a:r>
-              <a:rPr lang="zh-CN" altLang="en-US" sz="2000" kern="100" dirty="0">
-                <a:latin typeface="等线" panose="02010600030101010101" pitchFamily="2" charset="-122"/>
-                <a:cs typeface="Times New Roman" panose="02020603050405020304" pitchFamily="18" charset="0"/>
-              </a:rPr>
-              <a:t>模式的一部分</a:t>
-            </a:r>
-            <a:endParaRPr lang="en-US" altLang="zh-CN" sz="2000" kern="100" dirty="0">
-              <a:latin typeface="等线" panose="02010600030101010101" pitchFamily="2" charset="-122"/>
-              <a:cs typeface="Times New Roman" panose="02020603050405020304" pitchFamily="18" charset="0"/>
-            </a:endParaRPr>
-          </a:p>
-          <a:p>
-            <a:pPr marL="0" indent="0" algn="just">
-              <a:spcAft>
-                <a:spcPts val="0"/>
-              </a:spcAft>
+            <a:pPr marL="0" indent="0">
               <a:buNone/>
             </a:pPr>
             <a:endParaRPr lang="en-US" altLang="zh-CN" sz="2000" kern="100" dirty="0">
@@ -5650,6 +5526,142 @@
               </a:spcAft>
               <a:buNone/>
             </a:pPr>
+            <a:r>
+              <a:rPr lang="en-US" altLang="zh-CN" sz="2000" kern="100" dirty="0">
+                <a:latin typeface="等线" panose="02010600030101010101" pitchFamily="2" charset="-122"/>
+                <a:cs typeface="Times New Roman" panose="02020603050405020304" pitchFamily="18" charset="0"/>
+              </a:rPr>
+              <a:t>       2</a:t>
+            </a:r>
+            <a:r>
+              <a:rPr lang="zh-CN" altLang="en-US" sz="2000" kern="100" dirty="0">
+                <a:latin typeface="等线" panose="02010600030101010101" pitchFamily="2" charset="-122"/>
+                <a:cs typeface="Times New Roman" panose="02020603050405020304" pitchFamily="18" charset="0"/>
+              </a:rPr>
+              <a:t>、遍历这个</a:t>
+            </a:r>
+            <a:r>
+              <a:rPr lang="en-US" altLang="zh-CN" sz="2000" kern="100" dirty="0">
+                <a:latin typeface="等线" panose="02010600030101010101" pitchFamily="2" charset="-122"/>
+                <a:cs typeface="Times New Roman" panose="02020603050405020304" pitchFamily="18" charset="0"/>
+              </a:rPr>
+              <a:t>ICC</a:t>
+            </a:r>
+            <a:r>
+              <a:rPr lang="zh-CN" altLang="en-US" sz="2000" kern="100" dirty="0">
+                <a:latin typeface="等线" panose="02010600030101010101" pitchFamily="2" charset="-122"/>
+                <a:cs typeface="Times New Roman" panose="02020603050405020304" pitchFamily="18" charset="0"/>
+              </a:rPr>
+              <a:t>图，根据两点来标记易受攻击路径：</a:t>
+            </a:r>
+            <a:endParaRPr lang="en-US" altLang="zh-CN" sz="2000" kern="100" dirty="0">
+              <a:latin typeface="等线" panose="02010600030101010101" pitchFamily="2" charset="-122"/>
+              <a:cs typeface="Times New Roman" panose="02020603050405020304" pitchFamily="18" charset="0"/>
+            </a:endParaRPr>
+          </a:p>
+          <a:p>
+            <a:pPr marL="0" indent="0" algn="just">
+              <a:spcAft>
+                <a:spcPts val="0"/>
+              </a:spcAft>
+              <a:buNone/>
+            </a:pPr>
+            <a:r>
+              <a:rPr lang="en-US" altLang="zh-CN" sz="2000" kern="100" dirty="0">
+                <a:latin typeface="等线" panose="02010600030101010101" pitchFamily="2" charset="-122"/>
+                <a:cs typeface="Times New Roman" panose="02020603050405020304" pitchFamily="18" charset="0"/>
+              </a:rPr>
+              <a:t>             </a:t>
+            </a:r>
+            <a:r>
+              <a:rPr lang="en-US" altLang="zh-CN" kern="100" dirty="0">
+                <a:latin typeface="等线" panose="02010600030101010101" pitchFamily="2" charset="-122"/>
+                <a:cs typeface="Times New Roman" panose="02020603050405020304" pitchFamily="18" charset="0"/>
+              </a:rPr>
+              <a:t>·</a:t>
+            </a:r>
+            <a:r>
+              <a:rPr lang="zh-CN" altLang="en-US" sz="2000" kern="100" dirty="0">
+                <a:latin typeface="等线" panose="02010600030101010101" pitchFamily="2" charset="-122"/>
+                <a:cs typeface="Times New Roman" panose="02020603050405020304" pitchFamily="18" charset="0"/>
+              </a:rPr>
+              <a:t>如果一端或两端有易受攻击组件</a:t>
+            </a:r>
+            <a:endParaRPr lang="en-US" altLang="zh-CN" sz="2000" kern="100" dirty="0">
+              <a:latin typeface="等线" panose="02010600030101010101" pitchFamily="2" charset="-122"/>
+              <a:cs typeface="Times New Roman" panose="02020603050405020304" pitchFamily="18" charset="0"/>
+            </a:endParaRPr>
+          </a:p>
+          <a:p>
+            <a:pPr marL="0" indent="0" algn="just">
+              <a:spcAft>
+                <a:spcPts val="0"/>
+              </a:spcAft>
+              <a:buNone/>
+            </a:pPr>
+            <a:r>
+              <a:rPr lang="en-US" altLang="zh-CN" sz="2000" kern="100" dirty="0">
+                <a:latin typeface="等线" panose="02010600030101010101" pitchFamily="2" charset="-122"/>
+                <a:cs typeface="Times New Roman" panose="02020603050405020304" pitchFamily="18" charset="0"/>
+              </a:rPr>
+              <a:t>             </a:t>
+            </a:r>
+            <a:r>
+              <a:rPr lang="en-US" altLang="zh-CN" kern="100" dirty="0">
+                <a:latin typeface="等线" panose="02010600030101010101" pitchFamily="2" charset="-122"/>
+                <a:cs typeface="Times New Roman" panose="02020603050405020304" pitchFamily="18" charset="0"/>
+              </a:rPr>
+              <a:t>·</a:t>
+            </a:r>
+            <a:r>
+              <a:rPr lang="zh-CN" altLang="en-US" sz="2000" kern="100" dirty="0">
+                <a:latin typeface="等线" panose="02010600030101010101" pitchFamily="2" charset="-122"/>
+                <a:cs typeface="Times New Roman" panose="02020603050405020304" pitchFamily="18" charset="0"/>
+              </a:rPr>
+              <a:t>如果它是易受攻击的</a:t>
+            </a:r>
+            <a:r>
+              <a:rPr lang="en-US" altLang="zh-CN" sz="2000" kern="100" dirty="0">
+                <a:latin typeface="等线" panose="02010600030101010101" pitchFamily="2" charset="-122"/>
+                <a:cs typeface="Times New Roman" panose="02020603050405020304" pitchFamily="18" charset="0"/>
+              </a:rPr>
+              <a:t>ICC</a:t>
+            </a:r>
+            <a:r>
+              <a:rPr lang="zh-CN" altLang="en-US" sz="2000" kern="100" dirty="0">
+                <a:latin typeface="等线" panose="02010600030101010101" pitchFamily="2" charset="-122"/>
+                <a:cs typeface="Times New Roman" panose="02020603050405020304" pitchFamily="18" charset="0"/>
+              </a:rPr>
+              <a:t>模式</a:t>
+            </a:r>
+            <a:r>
+              <a:rPr lang="en-US" altLang="zh-CN" sz="2000" kern="100" dirty="0">
+                <a:latin typeface="等线" panose="02010600030101010101" pitchFamily="2" charset="-122"/>
+                <a:cs typeface="Times New Roman" panose="02020603050405020304" pitchFamily="18" charset="0"/>
+              </a:rPr>
+              <a:t>(</a:t>
+            </a:r>
+            <a:r>
+              <a:rPr lang="zh-CN" altLang="en-US" sz="2000" kern="100" dirty="0">
+                <a:latin typeface="等线" panose="02010600030101010101" pitchFamily="2" charset="-122"/>
+                <a:cs typeface="Times New Roman" panose="02020603050405020304" pitchFamily="18" charset="0"/>
+              </a:rPr>
+              <a:t>三种攻击模式</a:t>
+            </a:r>
+            <a:r>
+              <a:rPr lang="en-US" altLang="zh-CN" sz="2000" kern="100" dirty="0">
+                <a:latin typeface="等线" panose="02010600030101010101" pitchFamily="2" charset="-122"/>
+                <a:cs typeface="Times New Roman" panose="02020603050405020304" pitchFamily="18" charset="0"/>
+              </a:rPr>
+              <a:t>)</a:t>
+            </a:r>
+            <a:r>
+              <a:rPr lang="zh-CN" altLang="en-US" sz="2000" kern="100" dirty="0">
+                <a:latin typeface="等线" panose="02010600030101010101" pitchFamily="2" charset="-122"/>
+                <a:cs typeface="Times New Roman" panose="02020603050405020304" pitchFamily="18" charset="0"/>
+              </a:rPr>
+              <a:t>的一部分</a:t>
+            </a:r>
             <a:endParaRPr lang="en-US" altLang="zh-CN" sz="2000" kern="100" dirty="0">
               <a:latin typeface="等线" panose="02010600030101010101" pitchFamily="2" charset="-122"/>
               <a:cs typeface="Times New Roman" panose="02020603050405020304" pitchFamily="18" charset="0"/>
@@ -5674,13 +5686,34 @@
               </a:spcAft>
               <a:buNone/>
             </a:pPr>
-            <a:r>
-              <a:rPr lang="en-US" altLang="zh-CN" sz="2000" kern="100" dirty="0">
-                <a:latin typeface="等线" panose="02010600030101010101" pitchFamily="2" charset="-122"/>
-                <a:cs typeface="Times New Roman" panose="02020603050405020304" pitchFamily="18" charset="0"/>
-              </a:rPr>
-              <a:t>      </a:t>
-            </a:r>
+            <a:endParaRPr lang="en-US" altLang="zh-CN" sz="2000" kern="100" dirty="0">
+              <a:latin typeface="等线" panose="02010600030101010101" pitchFamily="2" charset="-122"/>
+              <a:cs typeface="Times New Roman" panose="02020603050405020304" pitchFamily="18" charset="0"/>
+            </a:endParaRPr>
+          </a:p>
+          <a:p>
+            <a:pPr marL="0" indent="0" algn="just">
+              <a:spcAft>
+                <a:spcPts val="0"/>
+              </a:spcAft>
+              <a:buNone/>
+            </a:pPr>
+            <a:endParaRPr lang="en-US" altLang="zh-CN" sz="2000" kern="100" dirty="0">
+              <a:latin typeface="等线" panose="02010600030101010101" pitchFamily="2" charset="-122"/>
+              <a:cs typeface="Times New Roman" panose="02020603050405020304" pitchFamily="18" charset="0"/>
+            </a:endParaRPr>
+          </a:p>
+          <a:p>
+            <a:pPr marL="0" indent="0" algn="just">
+              <a:spcAft>
+                <a:spcPts val="0"/>
+              </a:spcAft>
+              <a:buNone/>
+            </a:pPr>
+            <a:endParaRPr lang="en-US" altLang="zh-CN" sz="2000" kern="100" dirty="0">
+              <a:latin typeface="等线" panose="02010600030101010101" pitchFamily="2" charset="-122"/>
+              <a:cs typeface="Times New Roman" panose="02020603050405020304" pitchFamily="18" charset="0"/>
+            </a:endParaRPr>
           </a:p>
           <a:p>
             <a:pPr marL="0" indent="0" algn="just">
